--- a/IT Tickets Insights.pptx
+++ b/IT Tickets Insights.pptx
@@ -20331,7 +20331,7 @@
         </p:nvSpPr>
         <p:spPr>
           <a:xfrm>
-            <a:off x="4534989" y="910494"/>
+            <a:off x="4586311" y="636869"/>
             <a:ext cx="8776680" cy="2153025"/>
           </a:xfrm>
           <a:prstGeom prst="rect">
@@ -20484,7 +20484,7 @@
         </p:blipFill>
         <p:spPr>
           <a:xfrm>
-            <a:off x="284175" y="2771452"/>
+            <a:off x="388408" y="2430701"/>
             <a:ext cx="17652288" cy="6586978"/>
           </a:xfrm>
           <a:prstGeom prst="rect">
@@ -20920,7 +20920,7 @@
         <p:spPr>
           <a:xfrm>
             <a:off x="4253520" y="425648"/>
-            <a:ext cx="9780960" cy="2153025"/>
+            <a:ext cx="9780960" cy="1053173"/>
           </a:xfrm>
           <a:prstGeom prst="rect">
             <a:avLst/>
@@ -20938,7 +20938,7 @@
               </a:lnSpc>
             </a:pPr>
             <a:r>
-              <a:rPr lang="en-US" sz="9461" b="1" dirty="0">
+              <a:rPr lang="en-US" sz="8000" b="1" dirty="0">
                 <a:solidFill>
                   <a:srgbClr val="2C4600"/>
                 </a:solidFill>
@@ -21007,7 +21007,7 @@
         </p:blipFill>
         <p:spPr>
           <a:xfrm>
-            <a:off x="1498176" y="2293836"/>
+            <a:off x="1489050" y="2299981"/>
             <a:ext cx="15291648" cy="8027207"/>
           </a:xfrm>
           <a:prstGeom prst="rect">
@@ -21396,7 +21396,7 @@
               </a:lnSpc>
             </a:pPr>
             <a:r>
-              <a:rPr lang="en-US" sz="8800" b="1" dirty="0">
+              <a:rPr lang="en-US" sz="8000" b="1" dirty="0">
                 <a:solidFill>
                   <a:srgbClr val="2C4600"/>
                 </a:solidFill>
@@ -21935,8 +21935,8 @@
         </p:nvSpPr>
         <p:spPr>
           <a:xfrm>
-            <a:off x="4343400" y="447500"/>
-            <a:ext cx="9780960" cy="1133525"/>
+            <a:off x="4310885" y="424148"/>
+            <a:ext cx="9780960" cy="1079591"/>
           </a:xfrm>
           <a:prstGeom prst="rect">
             <a:avLst/>
@@ -21954,7 +21954,7 @@
               </a:lnSpc>
             </a:pPr>
             <a:r>
-              <a:rPr lang="en-US" sz="9461" b="1" dirty="0">
+              <a:rPr lang="en-US" sz="8800" b="1" dirty="0">
                 <a:solidFill>
                   <a:srgbClr val="2C4600"/>
                 </a:solidFill>
@@ -21963,8 +21963,29 @@
                 <a:cs typeface="Century Gothic Paneuropean Bold"/>
                 <a:sym typeface="Century Gothic Paneuropean Bold"/>
               </a:rPr>
-              <a:t>Data Attributes</a:t>
+              <a:t>Data </a:t>
             </a:r>
+            <a:r>
+              <a:rPr lang="en-US" sz="8000" b="1" dirty="0">
+                <a:solidFill>
+                  <a:srgbClr val="2C4600"/>
+                </a:solidFill>
+                <a:latin typeface="Century Gothic Paneuropean Bold"/>
+                <a:ea typeface="Century Gothic Paneuropean Bold"/>
+                <a:cs typeface="Century Gothic Paneuropean Bold"/>
+                <a:sym typeface="Century Gothic Paneuropean Bold"/>
+              </a:rPr>
+              <a:t>Attributes</a:t>
+            </a:r>
+            <a:endParaRPr lang="en-US" sz="8800" b="1" dirty="0">
+              <a:solidFill>
+                <a:srgbClr val="2C4600"/>
+              </a:solidFill>
+              <a:latin typeface="Century Gothic Paneuropean Bold"/>
+              <a:ea typeface="Century Gothic Paneuropean Bold"/>
+              <a:cs typeface="Century Gothic Paneuropean Bold"/>
+              <a:sym typeface="Century Gothic Paneuropean Bold"/>
+            </a:endParaRPr>
           </a:p>
         </p:txBody>
       </p:sp>
@@ -23292,7 +23313,7 @@
         <p:spPr>
           <a:xfrm>
             <a:off x="4253520" y="601400"/>
-            <a:ext cx="9780960" cy="1133525"/>
+            <a:ext cx="9780960" cy="1079591"/>
           </a:xfrm>
           <a:prstGeom prst="rect">
             <a:avLst/>
@@ -23310,7 +23331,7 @@
               </a:lnSpc>
             </a:pPr>
             <a:r>
-              <a:rPr lang="en-US" sz="9461" b="1" dirty="0">
+              <a:rPr lang="en-US" sz="8800" b="1" dirty="0">
                 <a:solidFill>
                   <a:srgbClr val="2C4600"/>
                 </a:solidFill>
@@ -23321,6 +23342,15 @@
               </a:rPr>
               <a:t>METHODOLOGY</a:t>
             </a:r>
+            <a:endParaRPr lang="en-US" sz="9461" b="1" dirty="0">
+              <a:solidFill>
+                <a:srgbClr val="2C4600"/>
+              </a:solidFill>
+              <a:latin typeface="Century Gothic Paneuropean Bold"/>
+              <a:ea typeface="Century Gothic Paneuropean Bold"/>
+              <a:cs typeface="Century Gothic Paneuropean Bold"/>
+              <a:sym typeface="Century Gothic Paneuropean Bold"/>
+            </a:endParaRPr>
           </a:p>
         </p:txBody>
       </p:sp>
@@ -24344,7 +24374,7 @@
         <p:spPr>
           <a:xfrm>
             <a:off x="4253520" y="601400"/>
-            <a:ext cx="9780960" cy="1133525"/>
+            <a:ext cx="9780960" cy="1079591"/>
           </a:xfrm>
           <a:prstGeom prst="rect">
             <a:avLst/>
@@ -24362,7 +24392,7 @@
               </a:lnSpc>
             </a:pPr>
             <a:r>
-              <a:rPr lang="en-US" sz="9461" b="1" dirty="0">
+              <a:rPr lang="en-US" sz="8800" b="1" dirty="0">
                 <a:solidFill>
                   <a:srgbClr val="2C4600"/>
                 </a:solidFill>
@@ -24373,6 +24403,15 @@
               </a:rPr>
               <a:t>METHODOLOGY</a:t>
             </a:r>
+            <a:endParaRPr lang="en-US" sz="9461" b="1" dirty="0">
+              <a:solidFill>
+                <a:srgbClr val="2C4600"/>
+              </a:solidFill>
+              <a:latin typeface="Century Gothic Paneuropean Bold"/>
+              <a:ea typeface="Century Gothic Paneuropean Bold"/>
+              <a:cs typeface="Century Gothic Paneuropean Bold"/>
+              <a:sym typeface="Century Gothic Paneuropean Bold"/>
+            </a:endParaRPr>
           </a:p>
         </p:txBody>
       </p:sp>
@@ -25100,7 +25139,7 @@
         </p:nvSpPr>
         <p:spPr>
           <a:xfrm>
-            <a:off x="4253520" y="541802"/>
+            <a:off x="4343400" y="421654"/>
             <a:ext cx="9780960" cy="1101455"/>
           </a:xfrm>
           <a:prstGeom prst="rect">
